--- a/topo.pptx
+++ b/topo.pptx
@@ -104,6 +104,11 @@
       </a:defRPr>
     </a:lvl9pPr>
   </p:defaultTextStyle>
+  <p:extLst>
+    <p:ext uri="{EFAFB233-063F-42B5-8137-9DF3F51BA10A}">
+      <p15:sldGuideLst xmlns:p15="http://schemas.microsoft.com/office/powerpoint/2012/main"/>
+    </p:ext>
+  </p:extLst>
 </p:presentation>
 </file>
 
@@ -254,7 +259,7 @@
           <a:p>
             <a:fld id="{97DC178B-449C-41BC-A001-63F812EB124D}" type="datetimeFigureOut">
               <a:rPr lang="zh-CN" altLang="en-US" smtClean="0"/>
-              <a:t>2022/5/31</a:t>
+              <a:t>2022/6/3</a:t>
             </a:fld>
             <a:endParaRPr lang="zh-CN" altLang="en-US"/>
           </a:p>
@@ -452,7 +457,7 @@
           <a:p>
             <a:fld id="{97DC178B-449C-41BC-A001-63F812EB124D}" type="datetimeFigureOut">
               <a:rPr lang="zh-CN" altLang="en-US" smtClean="0"/>
-              <a:t>2022/5/31</a:t>
+              <a:t>2022/6/3</a:t>
             </a:fld>
             <a:endParaRPr lang="zh-CN" altLang="en-US"/>
           </a:p>
@@ -660,7 +665,7 @@
           <a:p>
             <a:fld id="{97DC178B-449C-41BC-A001-63F812EB124D}" type="datetimeFigureOut">
               <a:rPr lang="zh-CN" altLang="en-US" smtClean="0"/>
-              <a:t>2022/5/31</a:t>
+              <a:t>2022/6/3</a:t>
             </a:fld>
             <a:endParaRPr lang="zh-CN" altLang="en-US"/>
           </a:p>
@@ -858,7 +863,7 @@
           <a:p>
             <a:fld id="{97DC178B-449C-41BC-A001-63F812EB124D}" type="datetimeFigureOut">
               <a:rPr lang="zh-CN" altLang="en-US" smtClean="0"/>
-              <a:t>2022/5/31</a:t>
+              <a:t>2022/6/3</a:t>
             </a:fld>
             <a:endParaRPr lang="zh-CN" altLang="en-US"/>
           </a:p>
@@ -1133,7 +1138,7 @@
           <a:p>
             <a:fld id="{97DC178B-449C-41BC-A001-63F812EB124D}" type="datetimeFigureOut">
               <a:rPr lang="zh-CN" altLang="en-US" smtClean="0"/>
-              <a:t>2022/5/31</a:t>
+              <a:t>2022/6/3</a:t>
             </a:fld>
             <a:endParaRPr lang="zh-CN" altLang="en-US"/>
           </a:p>
@@ -1398,7 +1403,7 @@
           <a:p>
             <a:fld id="{97DC178B-449C-41BC-A001-63F812EB124D}" type="datetimeFigureOut">
               <a:rPr lang="zh-CN" altLang="en-US" smtClean="0"/>
-              <a:t>2022/5/31</a:t>
+              <a:t>2022/6/3</a:t>
             </a:fld>
             <a:endParaRPr lang="zh-CN" altLang="en-US"/>
           </a:p>
@@ -1810,7 +1815,7 @@
           <a:p>
             <a:fld id="{97DC178B-449C-41BC-A001-63F812EB124D}" type="datetimeFigureOut">
               <a:rPr lang="zh-CN" altLang="en-US" smtClean="0"/>
-              <a:t>2022/5/31</a:t>
+              <a:t>2022/6/3</a:t>
             </a:fld>
             <a:endParaRPr lang="zh-CN" altLang="en-US"/>
           </a:p>
@@ -1951,7 +1956,7 @@
           <a:p>
             <a:fld id="{97DC178B-449C-41BC-A001-63F812EB124D}" type="datetimeFigureOut">
               <a:rPr lang="zh-CN" altLang="en-US" smtClean="0"/>
-              <a:t>2022/5/31</a:t>
+              <a:t>2022/6/3</a:t>
             </a:fld>
             <a:endParaRPr lang="zh-CN" altLang="en-US"/>
           </a:p>
@@ -2064,7 +2069,7 @@
           <a:p>
             <a:fld id="{97DC178B-449C-41BC-A001-63F812EB124D}" type="datetimeFigureOut">
               <a:rPr lang="zh-CN" altLang="en-US" smtClean="0"/>
-              <a:t>2022/5/31</a:t>
+              <a:t>2022/6/3</a:t>
             </a:fld>
             <a:endParaRPr lang="zh-CN" altLang="en-US"/>
           </a:p>
@@ -2375,7 +2380,7 @@
           <a:p>
             <a:fld id="{97DC178B-449C-41BC-A001-63F812EB124D}" type="datetimeFigureOut">
               <a:rPr lang="zh-CN" altLang="en-US" smtClean="0"/>
-              <a:t>2022/5/31</a:t>
+              <a:t>2022/6/3</a:t>
             </a:fld>
             <a:endParaRPr lang="zh-CN" altLang="en-US"/>
           </a:p>
@@ -2663,7 +2668,7 @@
           <a:p>
             <a:fld id="{97DC178B-449C-41BC-A001-63F812EB124D}" type="datetimeFigureOut">
               <a:rPr lang="zh-CN" altLang="en-US" smtClean="0"/>
-              <a:t>2022/5/31</a:t>
+              <a:t>2022/6/3</a:t>
             </a:fld>
             <a:endParaRPr lang="zh-CN" altLang="en-US"/>
           </a:p>
@@ -2904,7 +2909,7 @@
           <a:p>
             <a:fld id="{97DC178B-449C-41BC-A001-63F812EB124D}" type="datetimeFigureOut">
               <a:rPr lang="zh-CN" altLang="en-US" smtClean="0"/>
-              <a:t>2022/5/31</a:t>
+              <a:t>2022/6/3</a:t>
             </a:fld>
             <a:endParaRPr lang="zh-CN" altLang="en-US"/>
           </a:p>
@@ -3378,10 +3383,10 @@
       </p:sp>
       <p:sp>
         <p:nvSpPr>
-          <p:cNvPr id="31" name="矩形 30">
-            <a:extLst>
-              <a:ext uri="{FF2B5EF4-FFF2-40B4-BE49-F238E27FC236}">
-                <a16:creationId xmlns:a16="http://schemas.microsoft.com/office/drawing/2014/main" id="{8F67670B-AEFC-8667-2682-021E25B1B8F1}"/>
+          <p:cNvPr id="28" name="矩形 27">
+            <a:extLst>
+              <a:ext uri="{FF2B5EF4-FFF2-40B4-BE49-F238E27FC236}">
+                <a16:creationId xmlns:a16="http://schemas.microsoft.com/office/drawing/2014/main" id="{D12D4981-4880-64FC-6C71-A905C850A4F4}"/>
               </a:ext>
             </a:extLst>
           </p:cNvPr>
@@ -3390,66 +3395,8 @@
         </p:nvSpPr>
         <p:spPr>
           <a:xfrm>
-            <a:off x="3939822" y="1190977"/>
-            <a:ext cx="3527777" cy="4182534"/>
-          </a:xfrm>
-          <a:prstGeom prst="rect">
-            <a:avLst/>
-          </a:prstGeom>
-          <a:solidFill>
-            <a:schemeClr val="accent1">
-              <a:alpha val="60000"/>
-            </a:schemeClr>
-          </a:solidFill>
-          <a:ln>
-            <a:noFill/>
-          </a:ln>
-        </p:spPr>
-        <p:style>
-          <a:lnRef idx="2">
-            <a:schemeClr val="accent1">
-              <a:shade val="50000"/>
-            </a:schemeClr>
-          </a:lnRef>
-          <a:fillRef idx="1">
-            <a:schemeClr val="accent1"/>
-          </a:fillRef>
-          <a:effectRef idx="0">
-            <a:schemeClr val="accent1"/>
-          </a:effectRef>
-          <a:fontRef idx="minor">
-            <a:schemeClr val="lt1"/>
-          </a:fontRef>
-        </p:style>
-        <p:txBody>
-          <a:bodyPr rtlCol="0" anchor="b" anchorCtr="1"/>
-          <a:lstStyle/>
-          <a:p>
-            <a:pPr algn="ctr"/>
-            <a:r>
-              <a:rPr lang="en-US" altLang="zh-CN" dirty="0"/>
-              <a:t>echo-consumer</a:t>
-            </a:r>
-            <a:endParaRPr lang="zh-CN" altLang="en-US" dirty="0"/>
-          </a:p>
-        </p:txBody>
-      </p:sp>
-      <p:sp>
-        <p:nvSpPr>
-          <p:cNvPr id="29" name="矩形 28">
-            <a:extLst>
-              <a:ext uri="{FF2B5EF4-FFF2-40B4-BE49-F238E27FC236}">
-                <a16:creationId xmlns:a16="http://schemas.microsoft.com/office/drawing/2014/main" id="{DE8D971F-6C62-88B1-76B8-5B0126D15363}"/>
-              </a:ext>
-            </a:extLst>
-          </p:cNvPr>
-          <p:cNvSpPr/>
-          <p:nvPr/>
-        </p:nvSpPr>
-        <p:spPr>
-          <a:xfrm>
-            <a:off x="7603067" y="2685878"/>
-            <a:ext cx="3335866" cy="1236125"/>
+            <a:off x="4919481" y="1190978"/>
+            <a:ext cx="6908798" cy="4095006"/>
           </a:xfrm>
           <a:prstGeom prst="rect">
             <a:avLst/>
@@ -3483,117 +3430,7 @@
             <a:pPr algn="ctr"/>
             <a:r>
               <a:rPr lang="en-US" altLang="zh-CN" dirty="0"/>
-              <a:t>echo-grpc-server</a:t>
-            </a:r>
-            <a:endParaRPr lang="zh-CN" altLang="en-US" dirty="0"/>
-          </a:p>
-        </p:txBody>
-      </p:sp>
-      <p:sp>
-        <p:nvSpPr>
-          <p:cNvPr id="30" name="矩形 29">
-            <a:extLst>
-              <a:ext uri="{FF2B5EF4-FFF2-40B4-BE49-F238E27FC236}">
-                <a16:creationId xmlns:a16="http://schemas.microsoft.com/office/drawing/2014/main" id="{D6F0B1E6-3D73-9AD8-1BCA-DA6A8DDDB04B}"/>
-              </a:ext>
-            </a:extLst>
-          </p:cNvPr>
-          <p:cNvSpPr/>
-          <p:nvPr/>
-        </p:nvSpPr>
-        <p:spPr>
-          <a:xfrm>
-            <a:off x="7604449" y="4179290"/>
-            <a:ext cx="3335866" cy="1236125"/>
-          </a:xfrm>
-          <a:prstGeom prst="rect">
-            <a:avLst/>
-          </a:prstGeom>
-          <a:solidFill>
-            <a:schemeClr val="accent1">
-              <a:alpha val="60000"/>
-            </a:schemeClr>
-          </a:solidFill>
-        </p:spPr>
-        <p:style>
-          <a:lnRef idx="2">
-            <a:schemeClr val="accent1">
-              <a:shade val="50000"/>
-            </a:schemeClr>
-          </a:lnRef>
-          <a:fillRef idx="1">
-            <a:schemeClr val="accent1"/>
-          </a:fillRef>
-          <a:effectRef idx="0">
-            <a:schemeClr val="accent1"/>
-          </a:effectRef>
-          <a:fontRef idx="minor">
-            <a:schemeClr val="lt1"/>
-          </a:fontRef>
-        </p:style>
-        <p:txBody>
-          <a:bodyPr rtlCol="0" anchor="b" anchorCtr="1"/>
-          <a:lstStyle/>
-          <a:p>
-            <a:pPr algn="ctr"/>
-            <a:r>
-              <a:rPr lang="en-US" altLang="zh-CN" dirty="0"/>
-              <a:t>echo-dubbo-server</a:t>
-            </a:r>
-            <a:endParaRPr lang="zh-CN" altLang="en-US" dirty="0"/>
-          </a:p>
-        </p:txBody>
-      </p:sp>
-      <p:sp>
-        <p:nvSpPr>
-          <p:cNvPr id="28" name="矩形 27">
-            <a:extLst>
-              <a:ext uri="{FF2B5EF4-FFF2-40B4-BE49-F238E27FC236}">
-                <a16:creationId xmlns:a16="http://schemas.microsoft.com/office/drawing/2014/main" id="{D12D4981-4880-64FC-6C71-A905C850A4F4}"/>
-              </a:ext>
-            </a:extLst>
-          </p:cNvPr>
-          <p:cNvSpPr/>
-          <p:nvPr/>
-        </p:nvSpPr>
-        <p:spPr>
-          <a:xfrm>
-            <a:off x="7603067" y="1190978"/>
-            <a:ext cx="3335866" cy="1236125"/>
-          </a:xfrm>
-          <a:prstGeom prst="rect">
-            <a:avLst/>
-          </a:prstGeom>
-          <a:solidFill>
-            <a:schemeClr val="accent1">
-              <a:alpha val="60000"/>
-            </a:schemeClr>
-          </a:solidFill>
-        </p:spPr>
-        <p:style>
-          <a:lnRef idx="2">
-            <a:schemeClr val="accent1">
-              <a:shade val="50000"/>
-            </a:schemeClr>
-          </a:lnRef>
-          <a:fillRef idx="1">
-            <a:schemeClr val="accent1"/>
-          </a:fillRef>
-          <a:effectRef idx="0">
-            <a:schemeClr val="accent1"/>
-          </a:effectRef>
-          <a:fontRef idx="minor">
-            <a:schemeClr val="lt1"/>
-          </a:fontRef>
-        </p:style>
-        <p:txBody>
-          <a:bodyPr rtlCol="0" anchor="b" anchorCtr="1"/>
-          <a:lstStyle/>
-          <a:p>
-            <a:pPr algn="ctr"/>
-            <a:r>
-              <a:rPr lang="en-US" altLang="zh-CN" dirty="0"/>
-              <a:t>echo-http-server</a:t>
+              <a:t>sft-test-flomesh</a:t>
             </a:r>
             <a:endParaRPr lang="zh-CN" altLang="en-US" dirty="0"/>
           </a:p>
@@ -3677,8 +3514,8 @@
         </p:nvSpPr>
         <p:spPr>
           <a:xfrm>
-            <a:off x="4344841" y="1668534"/>
-            <a:ext cx="2750226" cy="340468"/>
+            <a:off x="5111398" y="1668534"/>
+            <a:ext cx="3127015" cy="340468"/>
           </a:xfrm>
           <a:prstGeom prst="rect">
             <a:avLst/>
@@ -3717,7 +3554,7 @@
                   <a:schemeClr val="tx1"/>
                 </a:solidFill>
               </a:rPr>
-              <a:t>echo-http-consumer-v1</a:t>
+              <a:t>istio-http-client:8080</a:t>
             </a:r>
             <a:endParaRPr lang="zh-CN" altLang="en-US" sz="1600" b="1" dirty="0">
               <a:solidFill>
@@ -3741,8 +3578,8 @@
         </p:nvSpPr>
         <p:spPr>
           <a:xfrm>
-            <a:off x="7934707" y="1668534"/>
-            <a:ext cx="2750226" cy="340468"/>
+            <a:off x="8611110" y="1668534"/>
+            <a:ext cx="3100723" cy="340468"/>
           </a:xfrm>
           <a:prstGeom prst="rect">
             <a:avLst/>
@@ -3781,7 +3618,7 @@
                   <a:schemeClr val="tx1"/>
                 </a:solidFill>
               </a:rPr>
-              <a:t>echo-http-server-v1</a:t>
+              <a:t>istio-http-service:8088</a:t>
             </a:r>
             <a:endParaRPr lang="zh-CN" altLang="en-US" sz="1600" b="1" dirty="0">
               <a:solidFill>
@@ -3805,8 +3642,8 @@
         </p:nvSpPr>
         <p:spPr>
           <a:xfrm>
-            <a:off x="4344841" y="3085286"/>
-            <a:ext cx="2750226" cy="340468"/>
+            <a:off x="5111398" y="3085286"/>
+            <a:ext cx="3127015" cy="340468"/>
           </a:xfrm>
           <a:prstGeom prst="rect">
             <a:avLst/>
@@ -3845,7 +3682,7 @@
                   <a:schemeClr val="tx1"/>
                 </a:solidFill>
               </a:rPr>
-              <a:t>echo-grpc-consumer-v1</a:t>
+              <a:t>istio-grpc-client:8080</a:t>
             </a:r>
             <a:endParaRPr lang="zh-CN" altLang="en-US" sz="1600" b="1" dirty="0">
               <a:solidFill>
@@ -3869,8 +3706,8 @@
         </p:nvSpPr>
         <p:spPr>
           <a:xfrm>
-            <a:off x="7934707" y="3085286"/>
-            <a:ext cx="2750226" cy="340468"/>
+            <a:off x="8611110" y="3085286"/>
+            <a:ext cx="3100723" cy="340468"/>
           </a:xfrm>
           <a:prstGeom prst="rect">
             <a:avLst/>
@@ -3909,7 +3746,7 @@
                   <a:schemeClr val="tx1"/>
                 </a:solidFill>
               </a:rPr>
-              <a:t>echo-grpc-server-v1</a:t>
+              <a:t>istio-grpc-service:9898</a:t>
             </a:r>
             <a:endParaRPr lang="zh-CN" altLang="en-US" sz="1600" b="1" dirty="0">
               <a:solidFill>
@@ -3933,8 +3770,8 @@
         </p:nvSpPr>
         <p:spPr>
           <a:xfrm>
-            <a:off x="4344841" y="4541546"/>
-            <a:ext cx="2750226" cy="340468"/>
+            <a:off x="5111398" y="4541546"/>
+            <a:ext cx="3127015" cy="340468"/>
           </a:xfrm>
           <a:prstGeom prst="rect">
             <a:avLst/>
@@ -3973,7 +3810,7 @@
                   <a:schemeClr val="tx1"/>
                 </a:solidFill>
               </a:rPr>
-              <a:t>echo-dubbo-consumer-v1</a:t>
+              <a:t>istio-dubbo-grpc-client:8080</a:t>
             </a:r>
             <a:endParaRPr lang="zh-CN" altLang="en-US" sz="1600" b="1" dirty="0">
               <a:solidFill>
@@ -3997,8 +3834,8 @@
         </p:nvSpPr>
         <p:spPr>
           <a:xfrm>
-            <a:off x="7934707" y="4541546"/>
-            <a:ext cx="2750226" cy="340468"/>
+            <a:off x="8611110" y="4541546"/>
+            <a:ext cx="3100723" cy="340468"/>
           </a:xfrm>
           <a:prstGeom prst="rect">
             <a:avLst/>
@@ -4037,7 +3874,7 @@
                   <a:schemeClr val="tx1"/>
                 </a:solidFill>
               </a:rPr>
-              <a:t>echo-dubbo-server-v1</a:t>
+              <a:t>istio-dubbo-grpc-service:8088</a:t>
             </a:r>
             <a:endParaRPr lang="zh-CN" altLang="en-US" sz="1600" b="1" dirty="0">
               <a:solidFill>
@@ -4057,6 +3894,7 @@
             </a:extLst>
           </p:cNvPr>
           <p:cNvCxnSpPr>
+            <a:cxnSpLocks/>
             <a:stCxn id="4" idx="3"/>
             <a:endCxn id="5" idx="1"/>
           </p:cNvCxnSpPr>
@@ -4065,7 +3903,7 @@
         <p:spPr>
           <a:xfrm flipV="1">
             <a:off x="2751246" y="1838768"/>
-            <a:ext cx="1593595" cy="1416752"/>
+            <a:ext cx="2360152" cy="1416752"/>
           </a:xfrm>
           <a:prstGeom prst="straightConnector1">
             <a:avLst/>
@@ -4111,7 +3949,7 @@
         <p:spPr>
           <a:xfrm>
             <a:off x="2751246" y="3255520"/>
-            <a:ext cx="1593595" cy="0"/>
+            <a:ext cx="2360152" cy="0"/>
           </a:xfrm>
           <a:prstGeom prst="straightConnector1">
             <a:avLst/>
@@ -4157,7 +3995,7 @@
         <p:spPr>
           <a:xfrm>
             <a:off x="2751246" y="3255520"/>
-            <a:ext cx="1593595" cy="1456260"/>
+            <a:ext cx="2360152" cy="1456260"/>
           </a:xfrm>
           <a:prstGeom prst="straightConnector1">
             <a:avLst/>
@@ -4202,8 +4040,8 @@
         </p:nvCxnSpPr>
         <p:spPr>
           <a:xfrm>
-            <a:off x="7095067" y="1838768"/>
-            <a:ext cx="839640" cy="0"/>
+            <a:off x="8238413" y="1838768"/>
+            <a:ext cx="372697" cy="0"/>
           </a:xfrm>
           <a:prstGeom prst="straightConnector1">
             <a:avLst/>
@@ -4248,8 +4086,8 @@
         </p:nvCxnSpPr>
         <p:spPr>
           <a:xfrm>
-            <a:off x="7095067" y="3255520"/>
-            <a:ext cx="839640" cy="0"/>
+            <a:off x="8238413" y="3255520"/>
+            <a:ext cx="372697" cy="0"/>
           </a:xfrm>
           <a:prstGeom prst="straightConnector1">
             <a:avLst/>
@@ -4294,8 +4132,8 @@
         </p:nvCxnSpPr>
         <p:spPr>
           <a:xfrm>
-            <a:off x="7095067" y="4711780"/>
-            <a:ext cx="839640" cy="0"/>
+            <a:off x="8238413" y="4711780"/>
+            <a:ext cx="372697" cy="0"/>
           </a:xfrm>
           <a:prstGeom prst="straightConnector1">
             <a:avLst/>
@@ -4336,7 +4174,7 @@
         </p:nvSpPr>
         <p:spPr>
           <a:xfrm>
-            <a:off x="2559343" y="2285793"/>
+            <a:off x="3168095" y="2037427"/>
             <a:ext cx="1301465" cy="274132"/>
           </a:xfrm>
           <a:prstGeom prst="rect">
@@ -4367,16 +4205,15 @@
           <a:bodyPr rtlCol="0" anchor="ctr"/>
           <a:lstStyle/>
           <a:p>
-            <a:pPr algn="ctr"/>
-            <a:r>
-              <a:rPr lang="en-US" altLang="zh-CN" sz="1200" dirty="0">
+            <a:r>
+              <a:rPr lang="en-US" altLang="zh-CN" sz="1200" b="1" dirty="0">
                 <a:solidFill>
                   <a:schemeClr val="tx1"/>
                 </a:solidFill>
               </a:rPr>
-              <a:t>/httpEcho</a:t>
-            </a:r>
-            <a:endParaRPr lang="zh-CN" altLang="en-US" sz="1200" dirty="0">
+              <a:t>/hi?name=tom</a:t>
+            </a:r>
+            <a:endParaRPr lang="zh-CN" altLang="en-US" sz="1200" b="1" dirty="0">
               <a:solidFill>
                 <a:schemeClr val="tx1"/>
               </a:solidFill>
@@ -4398,8 +4235,8 @@
         </p:nvSpPr>
         <p:spPr>
           <a:xfrm>
-            <a:off x="2536767" y="3911385"/>
-            <a:ext cx="1301465" cy="274132"/>
+            <a:off x="2536767" y="4262112"/>
+            <a:ext cx="2382714" cy="340437"/>
           </a:xfrm>
           <a:prstGeom prst="rect">
             <a:avLst/>
@@ -4429,16 +4266,25 @@
           <a:bodyPr rtlCol="0" anchor="ctr"/>
           <a:lstStyle/>
           <a:p>
-            <a:pPr algn="ctr"/>
-            <a:r>
-              <a:rPr lang="en-US" altLang="zh-CN" sz="1200" dirty="0">
+            <a:r>
+              <a:rPr lang="en-US" altLang="zh-CN" sz="1200" b="1" dirty="0">
                 <a:solidFill>
                   <a:schemeClr val="tx1"/>
                 </a:solidFill>
               </a:rPr>
-              <a:t>/dubboEcho</a:t>
-            </a:r>
-            <a:endParaRPr lang="zh-CN" altLang="en-US" sz="1200" dirty="0">
+              <a:t>/dubbo/hello?name=tom</a:t>
+            </a:r>
+          </a:p>
+          <a:p>
+            <a:r>
+              <a:rPr lang="en-US" altLang="zh-CN" sz="1200" b="1" dirty="0">
+                <a:solidFill>
+                  <a:schemeClr val="tx1"/>
+                </a:solidFill>
+              </a:rPr>
+              <a:t>/dubbo/getAge?name=tom</a:t>
+            </a:r>
+            <a:endParaRPr lang="zh-CN" altLang="en-US" sz="1200" b="1" dirty="0">
               <a:solidFill>
                 <a:schemeClr val="tx1"/>
               </a:solidFill>
@@ -4460,8 +4306,8 @@
         </p:nvSpPr>
         <p:spPr>
           <a:xfrm>
-            <a:off x="2920587" y="3239701"/>
-            <a:ext cx="1301465" cy="274132"/>
+            <a:off x="3083425" y="3256767"/>
+            <a:ext cx="1470806" cy="219487"/>
           </a:xfrm>
           <a:prstGeom prst="rect">
             <a:avLst/>
@@ -4491,19 +4337,115 @@
           <a:bodyPr rtlCol="0" anchor="ctr"/>
           <a:lstStyle/>
           <a:p>
-            <a:pPr algn="ctr"/>
-            <a:r>
-              <a:rPr lang="en-US" altLang="zh-CN" sz="1200" dirty="0">
+            <a:r>
+              <a:rPr lang="en-US" altLang="zh-CN" sz="1200" b="1" dirty="0">
                 <a:solidFill>
                   <a:schemeClr val="tx1"/>
                 </a:solidFill>
               </a:rPr>
-              <a:t>/grpcEcho</a:t>
-            </a:r>
-            <a:endParaRPr lang="zh-CN" altLang="en-US" sz="1200" dirty="0">
+              <a:t>/hello?name=tom</a:t>
+            </a:r>
+          </a:p>
+        </p:txBody>
+      </p:sp>
+      <p:sp>
+        <p:nvSpPr>
+          <p:cNvPr id="2" name="Rectangle 1">
+            <a:extLst>
+              <a:ext uri="{FF2B5EF4-FFF2-40B4-BE49-F238E27FC236}">
+                <a16:creationId xmlns:a16="http://schemas.microsoft.com/office/drawing/2014/main" id="{38FF4F60-47A9-9BE5-6F7D-FC7449DDB02B}"/>
+              </a:ext>
+            </a:extLst>
+          </p:cNvPr>
+          <p:cNvSpPr>
+            <a:spLocks noChangeArrowheads="1"/>
+          </p:cNvSpPr>
+          <p:nvPr/>
+        </p:nvSpPr>
+        <p:spPr bwMode="auto">
+          <a:xfrm>
+            <a:off x="0" y="0"/>
+            <a:ext cx="12192000" cy="457200"/>
+          </a:xfrm>
+          <a:prstGeom prst="rect">
+            <a:avLst/>
+          </a:prstGeom>
+          <a:solidFill>
+            <a:srgbClr val="FFFFFF"/>
+          </a:solidFill>
+          <a:ln>
+            <a:noFill/>
+          </a:ln>
+          <a:effectLst/>
+          <a:extLst>
+            <a:ext uri="{91240B29-F687-4F45-9708-019B960494DF}">
+              <a14:hiddenLine xmlns:a14="http://schemas.microsoft.com/office/drawing/2010/main" w="9525">
+                <a:solidFill>
+                  <a:schemeClr val="tx1"/>
+                </a:solidFill>
+                <a:miter lim="800000"/>
+                <a:headEnd/>
+                <a:tailEnd/>
+              </a14:hiddenLine>
+            </a:ext>
+            <a:ext uri="{AF507438-7753-43E0-B8FC-AC1667EBCBE1}">
+              <a14:hiddenEffects xmlns:a14="http://schemas.microsoft.com/office/drawing/2010/main">
+                <a:effectLst>
+                  <a:outerShdw dist="35921" dir="2700000" algn="ctr" rotWithShape="0">
+                    <a:schemeClr val="bg2"/>
+                  </a:outerShdw>
+                </a:effectLst>
+              </a14:hiddenEffects>
+            </a:ext>
+          </a:extLst>
+        </p:spPr>
+        <p:txBody>
+          <a:bodyPr vert="horz" wrap="none" lIns="91440" tIns="45720" rIns="91440" bIns="45720" numCol="1" anchor="ctr" anchorCtr="0" compatLnSpc="1">
+            <a:prstTxWarp prst="textNoShape">
+              <a:avLst/>
+            </a:prstTxWarp>
+            <a:spAutoFit/>
+          </a:bodyPr>
+          <a:lstStyle/>
+          <a:p>
+            <a:pPr marL="0" marR="0" lvl="0" indent="0" algn="l" defTabSz="914400" rtl="0" eaLnBrk="0" fontAlgn="base" latinLnBrk="0" hangingPunct="0">
+              <a:lnSpc>
+                <a:spcPct val="100000"/>
+              </a:lnSpc>
+              <a:spcBef>
+                <a:spcPct val="0"/>
+              </a:spcBef>
+              <a:spcAft>
+                <a:spcPct val="0"/>
+              </a:spcAft>
+              <a:buClrTx/>
+              <a:buSzTx/>
+              <a:buFontTx/>
+              <a:buNone/>
+              <a:tabLst/>
+            </a:pPr>
+            <a:r>
+              <a:rPr kumimoji="0" lang="zh-CN" altLang="zh-CN" sz="1000" b="0" i="0" u="none" strike="noStrike" cap="none" normalizeH="0" baseline="0">
+                <a:ln>
+                  <a:noFill/>
+                </a:ln>
+                <a:solidFill>
+                  <a:srgbClr val="000000"/>
+                </a:solidFill>
+                <a:effectLst/>
+                <a:latin typeface="Consolas" panose="020B0609020204030204" pitchFamily="49" charset="0"/>
+              </a:rPr>
+              <a:t>istio-grpc-service</a:t>
+            </a:r>
+            <a:endParaRPr kumimoji="0" lang="zh-CN" altLang="zh-CN" sz="1800" b="0" i="0" u="none" strike="noStrike" cap="none" normalizeH="0" baseline="0">
+              <a:ln>
+                <a:noFill/>
+              </a:ln>
               <a:solidFill>
                 <a:schemeClr val="tx1"/>
               </a:solidFill>
+              <a:effectLst/>
+              <a:latin typeface="Arial" panose="020B0604020202020204" pitchFamily="34" charset="0"/>
             </a:endParaRPr>
           </a:p>
         </p:txBody>
